--- a/Images/Decide image design.pptx
+++ b/Images/Decide image design.pptx
@@ -7,6 +7,7 @@
   <p:sldIdLst>
     <p:sldId id="256" r:id="rId2"/>
     <p:sldId id="257" r:id="rId3"/>
+    <p:sldId id="258" r:id="rId4"/>
   </p:sldIdLst>
   <p:sldSz cx="12192000" cy="6858000"/>
   <p:notesSz cx="6858000" cy="9144000"/>
@@ -262,7 +263,7 @@
           <a:p>
             <a:fld id="{9D994E7C-715E-4919-877E-7F57DA0078F4}" type="datetimeFigureOut">
               <a:rPr lang="en-GB" smtClean="0"/>
-              <a:t>01/12/2018</a:t>
+              <a:t>03/12/2018</a:t>
             </a:fld>
             <a:endParaRPr lang="en-GB"/>
           </a:p>
@@ -462,7 +463,7 @@
           <a:p>
             <a:fld id="{9D994E7C-715E-4919-877E-7F57DA0078F4}" type="datetimeFigureOut">
               <a:rPr lang="en-GB" smtClean="0"/>
-              <a:t>01/12/2018</a:t>
+              <a:t>03/12/2018</a:t>
             </a:fld>
             <a:endParaRPr lang="en-GB"/>
           </a:p>
@@ -672,7 +673,7 @@
           <a:p>
             <a:fld id="{9D994E7C-715E-4919-877E-7F57DA0078F4}" type="datetimeFigureOut">
               <a:rPr lang="en-GB" smtClean="0"/>
-              <a:t>01/12/2018</a:t>
+              <a:t>03/12/2018</a:t>
             </a:fld>
             <a:endParaRPr lang="en-GB"/>
           </a:p>
@@ -872,7 +873,7 @@
           <a:p>
             <a:fld id="{9D994E7C-715E-4919-877E-7F57DA0078F4}" type="datetimeFigureOut">
               <a:rPr lang="en-GB" smtClean="0"/>
-              <a:t>01/12/2018</a:t>
+              <a:t>03/12/2018</a:t>
             </a:fld>
             <a:endParaRPr lang="en-GB"/>
           </a:p>
@@ -1148,7 +1149,7 @@
           <a:p>
             <a:fld id="{9D994E7C-715E-4919-877E-7F57DA0078F4}" type="datetimeFigureOut">
               <a:rPr lang="en-GB" smtClean="0"/>
-              <a:t>01/12/2018</a:t>
+              <a:t>03/12/2018</a:t>
             </a:fld>
             <a:endParaRPr lang="en-GB"/>
           </a:p>
@@ -1416,7 +1417,7 @@
           <a:p>
             <a:fld id="{9D994E7C-715E-4919-877E-7F57DA0078F4}" type="datetimeFigureOut">
               <a:rPr lang="en-GB" smtClean="0"/>
-              <a:t>01/12/2018</a:t>
+              <a:t>03/12/2018</a:t>
             </a:fld>
             <a:endParaRPr lang="en-GB"/>
           </a:p>
@@ -1831,7 +1832,7 @@
           <a:p>
             <a:fld id="{9D994E7C-715E-4919-877E-7F57DA0078F4}" type="datetimeFigureOut">
               <a:rPr lang="en-GB" smtClean="0"/>
-              <a:t>01/12/2018</a:t>
+              <a:t>03/12/2018</a:t>
             </a:fld>
             <a:endParaRPr lang="en-GB"/>
           </a:p>
@@ -1973,7 +1974,7 @@
           <a:p>
             <a:fld id="{9D994E7C-715E-4919-877E-7F57DA0078F4}" type="datetimeFigureOut">
               <a:rPr lang="en-GB" smtClean="0"/>
-              <a:t>01/12/2018</a:t>
+              <a:t>03/12/2018</a:t>
             </a:fld>
             <a:endParaRPr lang="en-GB"/>
           </a:p>
@@ -2086,7 +2087,7 @@
           <a:p>
             <a:fld id="{9D994E7C-715E-4919-877E-7F57DA0078F4}" type="datetimeFigureOut">
               <a:rPr lang="en-GB" smtClean="0"/>
-              <a:t>01/12/2018</a:t>
+              <a:t>03/12/2018</a:t>
             </a:fld>
             <a:endParaRPr lang="en-GB"/>
           </a:p>
@@ -2399,7 +2400,7 @@
           <a:p>
             <a:fld id="{9D994E7C-715E-4919-877E-7F57DA0078F4}" type="datetimeFigureOut">
               <a:rPr lang="en-GB" smtClean="0"/>
-              <a:t>01/12/2018</a:t>
+              <a:t>03/12/2018</a:t>
             </a:fld>
             <a:endParaRPr lang="en-GB"/>
           </a:p>
@@ -2688,7 +2689,7 @@
           <a:p>
             <a:fld id="{9D994E7C-715E-4919-877E-7F57DA0078F4}" type="datetimeFigureOut">
               <a:rPr lang="en-GB" smtClean="0"/>
-              <a:t>01/12/2018</a:t>
+              <a:t>03/12/2018</a:t>
             </a:fld>
             <a:endParaRPr lang="en-GB"/>
           </a:p>
@@ -2931,7 +2932,7 @@
           <a:p>
             <a:fld id="{9D994E7C-715E-4919-877E-7F57DA0078F4}" type="datetimeFigureOut">
               <a:rPr lang="en-GB" smtClean="0"/>
-              <a:t>01/12/2018</a:t>
+              <a:t>03/12/2018</a:t>
             </a:fld>
             <a:endParaRPr lang="en-GB"/>
           </a:p>
@@ -4719,6 +4720,455 @@
 </p:sld>
 </file>
 
+<file path=ppt/slides/slide3.xml><?xml version="1.0" encoding="utf-8"?>
+<p:sld xmlns:a="http://schemas.openxmlformats.org/drawingml/2006/main" xmlns:r="http://schemas.openxmlformats.org/officeDocument/2006/relationships" xmlns:p="http://schemas.openxmlformats.org/presentationml/2006/main" show="0">
+  <p:cSld>
+    <p:spTree>
+      <p:nvGrpSpPr>
+        <p:cNvPr id="1" name=""/>
+        <p:cNvGrpSpPr/>
+        <p:nvPr/>
+      </p:nvGrpSpPr>
+      <p:grpSpPr>
+        <a:xfrm>
+          <a:off x="0" y="0"/>
+          <a:ext cx="0" cy="0"/>
+          <a:chOff x="0" y="0"/>
+          <a:chExt cx="0" cy="0"/>
+        </a:xfrm>
+      </p:grpSpPr>
+      <p:sp>
+        <p:nvSpPr>
+          <p:cNvPr id="16" name="Rectangle 15">
+            <a:extLst>
+              <a:ext uri="{FF2B5EF4-FFF2-40B4-BE49-F238E27FC236}">
+                <a16:creationId xmlns:a16="http://schemas.microsoft.com/office/drawing/2014/main" id="{28F62912-7660-4399-A038-D2FBDF74A3A8}"/>
+              </a:ext>
+            </a:extLst>
+          </p:cNvPr>
+          <p:cNvSpPr/>
+          <p:nvPr/>
+        </p:nvSpPr>
+        <p:spPr>
+          <a:xfrm>
+            <a:off x="609597" y="0"/>
+            <a:ext cx="10972800" cy="6858000"/>
+          </a:xfrm>
+          <a:prstGeom prst="rect">
+            <a:avLst/>
+          </a:prstGeom>
+          <a:solidFill>
+            <a:schemeClr val="bg1"/>
+          </a:solidFill>
+          <a:ln>
+            <a:noFill/>
+          </a:ln>
+        </p:spPr>
+        <p:style>
+          <a:lnRef idx="2">
+            <a:schemeClr val="accent1">
+              <a:shade val="50000"/>
+            </a:schemeClr>
+          </a:lnRef>
+          <a:fillRef idx="1">
+            <a:schemeClr val="accent1"/>
+          </a:fillRef>
+          <a:effectRef idx="0">
+            <a:schemeClr val="accent1"/>
+          </a:effectRef>
+          <a:fontRef idx="minor">
+            <a:schemeClr val="lt1"/>
+          </a:fontRef>
+        </p:style>
+        <p:txBody>
+          <a:bodyPr rtlCol="0" anchor="ctr"/>
+          <a:lstStyle/>
+          <a:p>
+            <a:pPr algn="ctr"/>
+            <a:endParaRPr lang="en-GB"/>
+          </a:p>
+        </p:txBody>
+      </p:sp>
+      <p:grpSp>
+        <p:nvGrpSpPr>
+          <p:cNvPr id="17" name="Group 16">
+            <a:extLst>
+              <a:ext uri="{FF2B5EF4-FFF2-40B4-BE49-F238E27FC236}">
+                <a16:creationId xmlns:a16="http://schemas.microsoft.com/office/drawing/2014/main" id="{45259B89-6226-4044-97BB-C06FCEC99B76}"/>
+              </a:ext>
+            </a:extLst>
+          </p:cNvPr>
+          <p:cNvGrpSpPr/>
+          <p:nvPr/>
+        </p:nvGrpSpPr>
+        <p:grpSpPr>
+          <a:xfrm>
+            <a:off x="4736119" y="2218213"/>
+            <a:ext cx="2719757" cy="2029411"/>
+            <a:chOff x="4736120" y="2302619"/>
+            <a:chExt cx="2719757" cy="2029411"/>
+          </a:xfrm>
+        </p:grpSpPr>
+        <p:pic>
+          <p:nvPicPr>
+            <p:cNvPr id="7" name="Picture 6">
+              <a:extLst>
+                <a:ext uri="{FF2B5EF4-FFF2-40B4-BE49-F238E27FC236}">
+                  <a16:creationId xmlns:a16="http://schemas.microsoft.com/office/drawing/2014/main" id="{593A7738-ED62-4FB2-8308-4E8D372FF512}"/>
+                </a:ext>
+              </a:extLst>
+            </p:cNvPr>
+            <p:cNvPicPr>
+              <a:picLocks noChangeAspect="1"/>
+            </p:cNvPicPr>
+            <p:nvPr/>
+          </p:nvPicPr>
+          <p:blipFill rotWithShape="1">
+            <a:blip r:embed="rId2">
+              <a:duotone>
+                <a:schemeClr val="accent2">
+                  <a:shade val="45000"/>
+                  <a:satMod val="135000"/>
+                </a:schemeClr>
+                <a:prstClr val="white"/>
+              </a:duotone>
+              <a:extLst>
+                <a:ext uri="{BEBA8EAE-BF5A-486C-A8C5-ECC9F3942E4B}">
+                  <a14:imgProps xmlns:a14="http://schemas.microsoft.com/office/drawing/2010/main">
+                    <a14:imgLayer r:embed="rId3">
+                      <a14:imgEffect>
+                        <a14:sharpenSoften amount="25000"/>
+                      </a14:imgEffect>
+                      <a14:imgEffect>
+                        <a14:brightnessContrast bright="20000" contrast="40000"/>
+                      </a14:imgEffect>
+                    </a14:imgLayer>
+                  </a14:imgProps>
+                </a:ext>
+              </a:extLst>
+            </a:blip>
+            <a:srcRect l="45477" t="42520" r="45793" b="41902"/>
+            <a:stretch/>
+          </p:blipFill>
+          <p:spPr>
+            <a:xfrm>
+              <a:off x="4736120" y="2887394"/>
+              <a:ext cx="970671" cy="1083212"/>
+            </a:xfrm>
+            <a:prstGeom prst="rect">
+              <a:avLst/>
+            </a:prstGeom>
+          </p:spPr>
+        </p:pic>
+        <p:pic>
+          <p:nvPicPr>
+            <p:cNvPr id="8" name="Picture 7">
+              <a:extLst>
+                <a:ext uri="{FF2B5EF4-FFF2-40B4-BE49-F238E27FC236}">
+                  <a16:creationId xmlns:a16="http://schemas.microsoft.com/office/drawing/2014/main" id="{7862711F-AE85-4DCD-955B-0CBBA81F4580}"/>
+                </a:ext>
+              </a:extLst>
+            </p:cNvPr>
+            <p:cNvPicPr>
+              <a:picLocks noChangeAspect="1"/>
+            </p:cNvPicPr>
+            <p:nvPr/>
+          </p:nvPicPr>
+          <p:blipFill rotWithShape="1">
+            <a:blip r:embed="rId2">
+              <a:duotone>
+                <a:schemeClr val="accent2">
+                  <a:shade val="45000"/>
+                  <a:satMod val="135000"/>
+                </a:schemeClr>
+                <a:prstClr val="white"/>
+              </a:duotone>
+              <a:extLst>
+                <a:ext uri="{BEBA8EAE-BF5A-486C-A8C5-ECC9F3942E4B}">
+                  <a14:imgProps xmlns:a14="http://schemas.microsoft.com/office/drawing/2010/main">
+                    <a14:imgLayer r:embed="rId3">
+                      <a14:imgEffect>
+                        <a14:sharpenSoften amount="25000"/>
+                      </a14:imgEffect>
+                      <a14:imgEffect>
+                        <a14:brightnessContrast bright="20000" contrast="40000"/>
+                      </a14:imgEffect>
+                    </a14:imgLayer>
+                  </a14:imgProps>
+                </a:ext>
+              </a:extLst>
+            </a:blip>
+            <a:srcRect l="45477" t="42520" r="45793" b="41902"/>
+            <a:stretch/>
+          </p:blipFill>
+          <p:spPr>
+            <a:xfrm>
+              <a:off x="6485206" y="2887394"/>
+              <a:ext cx="970671" cy="1083212"/>
+            </a:xfrm>
+            <a:prstGeom prst="rect">
+              <a:avLst/>
+            </a:prstGeom>
+          </p:spPr>
+        </p:pic>
+        <p:pic>
+          <p:nvPicPr>
+            <p:cNvPr id="9" name="Picture 8">
+              <a:extLst>
+                <a:ext uri="{FF2B5EF4-FFF2-40B4-BE49-F238E27FC236}">
+                  <a16:creationId xmlns:a16="http://schemas.microsoft.com/office/drawing/2014/main" id="{99FACD61-E7B6-4873-A6FA-81B9F028A47B}"/>
+                </a:ext>
+              </a:extLst>
+            </p:cNvPr>
+            <p:cNvPicPr>
+              <a:picLocks noChangeAspect="1"/>
+            </p:cNvPicPr>
+            <p:nvPr/>
+          </p:nvPicPr>
+          <p:blipFill rotWithShape="1">
+            <a:blip r:embed="rId2">
+              <a:duotone>
+                <a:schemeClr val="accent2">
+                  <a:shade val="45000"/>
+                  <a:satMod val="135000"/>
+                </a:schemeClr>
+                <a:prstClr val="white"/>
+              </a:duotone>
+              <a:extLst>
+                <a:ext uri="{BEBA8EAE-BF5A-486C-A8C5-ECC9F3942E4B}">
+                  <a14:imgProps xmlns:a14="http://schemas.microsoft.com/office/drawing/2010/main">
+                    <a14:imgLayer r:embed="rId3">
+                      <a14:imgEffect>
+                        <a14:sharpenSoften amount="25000"/>
+                      </a14:imgEffect>
+                      <a14:imgEffect>
+                        <a14:brightnessContrast bright="20000" contrast="40000"/>
+                      </a14:imgEffect>
+                    </a14:imgLayer>
+                  </a14:imgProps>
+                </a:ext>
+              </a:extLst>
+            </a:blip>
+            <a:srcRect l="45477" t="42520" r="45793" b="41902"/>
+            <a:stretch/>
+          </p:blipFill>
+          <p:spPr>
+            <a:xfrm>
+              <a:off x="5610663" y="2887394"/>
+              <a:ext cx="970671" cy="1083212"/>
+            </a:xfrm>
+            <a:prstGeom prst="rect">
+              <a:avLst/>
+            </a:prstGeom>
+          </p:spPr>
+        </p:pic>
+        <p:sp>
+          <p:nvSpPr>
+            <p:cNvPr id="10" name="TextBox 9">
+              <a:extLst>
+                <a:ext uri="{FF2B5EF4-FFF2-40B4-BE49-F238E27FC236}">
+                  <a16:creationId xmlns:a16="http://schemas.microsoft.com/office/drawing/2014/main" id="{06F6746C-5E03-4D49-9347-0067A73F4681}"/>
+                </a:ext>
+              </a:extLst>
+            </p:cNvPr>
+            <p:cNvSpPr txBox="1"/>
+            <p:nvPr/>
+          </p:nvSpPr>
+          <p:spPr>
+            <a:xfrm>
+              <a:off x="5074022" y="3931920"/>
+              <a:ext cx="294867" cy="400110"/>
+            </a:xfrm>
+            <a:prstGeom prst="rect">
+              <a:avLst/>
+            </a:prstGeom>
+            <a:noFill/>
+          </p:spPr>
+          <p:txBody>
+            <a:bodyPr wrap="square" rtlCol="0">
+              <a:spAutoFit/>
+            </a:bodyPr>
+            <a:lstStyle/>
+            <a:p>
+              <a:r>
+                <a:rPr lang="en-GB" sz="2000" b="1" dirty="0">
+                  <a:solidFill>
+                    <a:srgbClr val="D69366"/>
+                  </a:solidFill>
+                  <a:latin typeface="Abadi Extra Light" panose="020B0204020104020204" pitchFamily="34" charset="0"/>
+                  <a:cs typeface="Aldhabi" panose="020B0604020202020204" pitchFamily="2" charset="-78"/>
+                </a:rPr>
+                <a:t>A</a:t>
+              </a:r>
+            </a:p>
+          </p:txBody>
+        </p:sp>
+        <p:sp>
+          <p:nvSpPr>
+            <p:cNvPr id="11" name="TextBox 10">
+              <a:extLst>
+                <a:ext uri="{FF2B5EF4-FFF2-40B4-BE49-F238E27FC236}">
+                  <a16:creationId xmlns:a16="http://schemas.microsoft.com/office/drawing/2014/main" id="{4E9584FA-E6DC-4D19-80E4-CED8C4607FE5}"/>
+                </a:ext>
+              </a:extLst>
+            </p:cNvPr>
+            <p:cNvSpPr txBox="1"/>
+            <p:nvPr/>
+          </p:nvSpPr>
+          <p:spPr>
+            <a:xfrm>
+              <a:off x="5948565" y="3931920"/>
+              <a:ext cx="294867" cy="400110"/>
+            </a:xfrm>
+            <a:prstGeom prst="rect">
+              <a:avLst/>
+            </a:prstGeom>
+            <a:noFill/>
+          </p:spPr>
+          <p:txBody>
+            <a:bodyPr wrap="square" rtlCol="0">
+              <a:spAutoFit/>
+            </a:bodyPr>
+            <a:lstStyle/>
+            <a:p>
+              <a:r>
+                <a:rPr lang="en-GB" sz="2000" b="1" dirty="0">
+                  <a:solidFill>
+                    <a:srgbClr val="D69366"/>
+                  </a:solidFill>
+                  <a:latin typeface="Abadi Extra Light" panose="020B0204020104020204" pitchFamily="34" charset="0"/>
+                  <a:cs typeface="Aldhabi" panose="020B0604020202020204" pitchFamily="2" charset="-78"/>
+                </a:rPr>
+                <a:t>B</a:t>
+              </a:r>
+            </a:p>
+          </p:txBody>
+        </p:sp>
+        <p:sp>
+          <p:nvSpPr>
+            <p:cNvPr id="12" name="TextBox 11">
+              <a:extLst>
+                <a:ext uri="{FF2B5EF4-FFF2-40B4-BE49-F238E27FC236}">
+                  <a16:creationId xmlns:a16="http://schemas.microsoft.com/office/drawing/2014/main" id="{7FA30ECC-1A35-44F9-84AD-0B5A16880026}"/>
+                </a:ext>
+              </a:extLst>
+            </p:cNvPr>
+            <p:cNvSpPr txBox="1"/>
+            <p:nvPr/>
+          </p:nvSpPr>
+          <p:spPr>
+            <a:xfrm>
+              <a:off x="6823108" y="3931920"/>
+              <a:ext cx="294867" cy="400110"/>
+            </a:xfrm>
+            <a:prstGeom prst="rect">
+              <a:avLst/>
+            </a:prstGeom>
+            <a:noFill/>
+          </p:spPr>
+          <p:txBody>
+            <a:bodyPr wrap="square" rtlCol="0">
+              <a:spAutoFit/>
+            </a:bodyPr>
+            <a:lstStyle/>
+            <a:p>
+              <a:r>
+                <a:rPr lang="en-GB" sz="2000" b="1" dirty="0">
+                  <a:solidFill>
+                    <a:srgbClr val="D69366"/>
+                  </a:solidFill>
+                  <a:latin typeface="Abadi Extra Light" panose="020B0204020104020204" pitchFamily="34" charset="0"/>
+                  <a:cs typeface="Aldhabi" panose="020B0604020202020204" pitchFamily="2" charset="-78"/>
+                </a:rPr>
+                <a:t>C</a:t>
+              </a:r>
+            </a:p>
+          </p:txBody>
+        </p:sp>
+        <p:sp>
+          <p:nvSpPr>
+            <p:cNvPr id="13" name="Rectangle 12">
+              <a:extLst>
+                <a:ext uri="{FF2B5EF4-FFF2-40B4-BE49-F238E27FC236}">
+                  <a16:creationId xmlns:a16="http://schemas.microsoft.com/office/drawing/2014/main" id="{45BF3294-0273-489E-A1AC-499C2E502768}"/>
+                </a:ext>
+              </a:extLst>
+            </p:cNvPr>
+            <p:cNvSpPr/>
+            <p:nvPr/>
+          </p:nvSpPr>
+          <p:spPr>
+            <a:xfrm>
+              <a:off x="4742903" y="2302619"/>
+              <a:ext cx="2706189" cy="584775"/>
+            </a:xfrm>
+            <a:prstGeom prst="rect">
+              <a:avLst/>
+            </a:prstGeom>
+            <a:noFill/>
+            <a:effectLst/>
+          </p:spPr>
+          <p:txBody>
+            <a:bodyPr wrap="none" lIns="91440" tIns="45720" rIns="91440" bIns="45720">
+              <a:spAutoFit/>
+            </a:bodyPr>
+            <a:lstStyle/>
+            <a:p>
+              <a:pPr algn="ctr"/>
+              <a:r>
+                <a:rPr lang="en-US" sz="3200" dirty="0">
+                  <a:ln w="0">
+                    <a:solidFill>
+                      <a:srgbClr val="CF804C">
+                        <a:alpha val="60000"/>
+                      </a:srgbClr>
+                    </a:solidFill>
+                  </a:ln>
+                  <a:solidFill>
+                    <a:srgbClr val="CF804C">
+                      <a:alpha val="84000"/>
+                    </a:srgbClr>
+                  </a:solidFill>
+                  <a:latin typeface="Abadi Extra Light" panose="020B0204020104020204" pitchFamily="34" charset="0"/>
+                  <a:ea typeface="Yu Mincho Light" panose="020B0400000000000000" pitchFamily="18" charset="-128"/>
+                  <a:cs typeface="Vijaya" panose="020B0502040204020203" pitchFamily="18" charset="0"/>
+                </a:rPr>
+                <a:t>DECISIONS 1.0</a:t>
+              </a:r>
+              <a:endParaRPr lang="en-US" sz="3200" cap="none" spc="0" dirty="0">
+                <a:ln w="0">
+                  <a:solidFill>
+                    <a:srgbClr val="CF804C">
+                      <a:alpha val="60000"/>
+                    </a:srgbClr>
+                  </a:solidFill>
+                </a:ln>
+                <a:solidFill>
+                  <a:srgbClr val="CF804C">
+                    <a:alpha val="84000"/>
+                  </a:srgbClr>
+                </a:solidFill>
+                <a:latin typeface="Abadi Extra Light" panose="020B0204020104020204" pitchFamily="34" charset="0"/>
+                <a:ea typeface="Yu Mincho Light" panose="020B0400000000000000" pitchFamily="18" charset="-128"/>
+                <a:cs typeface="Vijaya" panose="020B0502040204020203" pitchFamily="18" charset="0"/>
+              </a:endParaRPr>
+            </a:p>
+          </p:txBody>
+        </p:sp>
+      </p:grpSp>
+    </p:spTree>
+    <p:extLst>
+      <p:ext uri="{BB962C8B-B14F-4D97-AF65-F5344CB8AC3E}">
+        <p14:creationId xmlns:p14="http://schemas.microsoft.com/office/powerpoint/2010/main" val="2975566260"/>
+      </p:ext>
+    </p:extLst>
+  </p:cSld>
+  <p:clrMapOvr>
+    <a:masterClrMapping/>
+  </p:clrMapOvr>
+</p:sld>
+</file>
+
 <file path=ppt/theme/theme1.xml><?xml version="1.0" encoding="utf-8"?>
 <a:theme xmlns:a="http://schemas.openxmlformats.org/drawingml/2006/main" name="Office Theme">
   <a:themeElements>

--- a/Images/Decide image design.pptx
+++ b/Images/Decide image design.pptx
@@ -8,6 +8,7 @@
     <p:sldId id="256" r:id="rId2"/>
     <p:sldId id="257" r:id="rId3"/>
     <p:sldId id="258" r:id="rId4"/>
+    <p:sldId id="259" r:id="rId5"/>
   </p:sldIdLst>
   <p:sldSz cx="12192000" cy="6858000"/>
   <p:notesSz cx="6858000" cy="9144000"/>
@@ -263,7 +264,7 @@
           <a:p>
             <a:fld id="{9D994E7C-715E-4919-877E-7F57DA0078F4}" type="datetimeFigureOut">
               <a:rPr lang="en-GB" smtClean="0"/>
-              <a:t>03/12/2018</a:t>
+              <a:t>04/12/2018</a:t>
             </a:fld>
             <a:endParaRPr lang="en-GB"/>
           </a:p>
@@ -463,7 +464,7 @@
           <a:p>
             <a:fld id="{9D994E7C-715E-4919-877E-7F57DA0078F4}" type="datetimeFigureOut">
               <a:rPr lang="en-GB" smtClean="0"/>
-              <a:t>03/12/2018</a:t>
+              <a:t>04/12/2018</a:t>
             </a:fld>
             <a:endParaRPr lang="en-GB"/>
           </a:p>
@@ -673,7 +674,7 @@
           <a:p>
             <a:fld id="{9D994E7C-715E-4919-877E-7F57DA0078F4}" type="datetimeFigureOut">
               <a:rPr lang="en-GB" smtClean="0"/>
-              <a:t>03/12/2018</a:t>
+              <a:t>04/12/2018</a:t>
             </a:fld>
             <a:endParaRPr lang="en-GB"/>
           </a:p>
@@ -873,7 +874,7 @@
           <a:p>
             <a:fld id="{9D994E7C-715E-4919-877E-7F57DA0078F4}" type="datetimeFigureOut">
               <a:rPr lang="en-GB" smtClean="0"/>
-              <a:t>03/12/2018</a:t>
+              <a:t>04/12/2018</a:t>
             </a:fld>
             <a:endParaRPr lang="en-GB"/>
           </a:p>
@@ -1149,7 +1150,7 @@
           <a:p>
             <a:fld id="{9D994E7C-715E-4919-877E-7F57DA0078F4}" type="datetimeFigureOut">
               <a:rPr lang="en-GB" smtClean="0"/>
-              <a:t>03/12/2018</a:t>
+              <a:t>04/12/2018</a:t>
             </a:fld>
             <a:endParaRPr lang="en-GB"/>
           </a:p>
@@ -1417,7 +1418,7 @@
           <a:p>
             <a:fld id="{9D994E7C-715E-4919-877E-7F57DA0078F4}" type="datetimeFigureOut">
               <a:rPr lang="en-GB" smtClean="0"/>
-              <a:t>03/12/2018</a:t>
+              <a:t>04/12/2018</a:t>
             </a:fld>
             <a:endParaRPr lang="en-GB"/>
           </a:p>
@@ -1832,7 +1833,7 @@
           <a:p>
             <a:fld id="{9D994E7C-715E-4919-877E-7F57DA0078F4}" type="datetimeFigureOut">
               <a:rPr lang="en-GB" smtClean="0"/>
-              <a:t>03/12/2018</a:t>
+              <a:t>04/12/2018</a:t>
             </a:fld>
             <a:endParaRPr lang="en-GB"/>
           </a:p>
@@ -1974,7 +1975,7 @@
           <a:p>
             <a:fld id="{9D994E7C-715E-4919-877E-7F57DA0078F4}" type="datetimeFigureOut">
               <a:rPr lang="en-GB" smtClean="0"/>
-              <a:t>03/12/2018</a:t>
+              <a:t>04/12/2018</a:t>
             </a:fld>
             <a:endParaRPr lang="en-GB"/>
           </a:p>
@@ -2087,7 +2088,7 @@
           <a:p>
             <a:fld id="{9D994E7C-715E-4919-877E-7F57DA0078F4}" type="datetimeFigureOut">
               <a:rPr lang="en-GB" smtClean="0"/>
-              <a:t>03/12/2018</a:t>
+              <a:t>04/12/2018</a:t>
             </a:fld>
             <a:endParaRPr lang="en-GB"/>
           </a:p>
@@ -2400,7 +2401,7 @@
           <a:p>
             <a:fld id="{9D994E7C-715E-4919-877E-7F57DA0078F4}" type="datetimeFigureOut">
               <a:rPr lang="en-GB" smtClean="0"/>
-              <a:t>03/12/2018</a:t>
+              <a:t>04/12/2018</a:t>
             </a:fld>
             <a:endParaRPr lang="en-GB"/>
           </a:p>
@@ -2689,7 +2690,7 @@
           <a:p>
             <a:fld id="{9D994E7C-715E-4919-877E-7F57DA0078F4}" type="datetimeFigureOut">
               <a:rPr lang="en-GB" smtClean="0"/>
-              <a:t>03/12/2018</a:t>
+              <a:t>04/12/2018</a:t>
             </a:fld>
             <a:endParaRPr lang="en-GB"/>
           </a:p>
@@ -2932,7 +2933,7 @@
           <a:p>
             <a:fld id="{9D994E7C-715E-4919-877E-7F57DA0078F4}" type="datetimeFigureOut">
               <a:rPr lang="en-GB" smtClean="0"/>
-              <a:t>03/12/2018</a:t>
+              <a:t>04/12/2018</a:t>
             </a:fld>
             <a:endParaRPr lang="en-GB"/>
           </a:p>
@@ -5156,10 +5157,375 @@
           </p:txBody>
         </p:sp>
       </p:grpSp>
+      <p:sp>
+        <p:nvSpPr>
+          <p:cNvPr id="14" name="Rectangle 13">
+            <a:extLst>
+              <a:ext uri="{FF2B5EF4-FFF2-40B4-BE49-F238E27FC236}">
+                <a16:creationId xmlns:a16="http://schemas.microsoft.com/office/drawing/2014/main" id="{9419F076-9544-44C0-8647-283606B7FF00}"/>
+              </a:ext>
+            </a:extLst>
+          </p:cNvPr>
+          <p:cNvSpPr/>
+          <p:nvPr/>
+        </p:nvSpPr>
+        <p:spPr>
+          <a:xfrm>
+            <a:off x="3789492" y="4247624"/>
+            <a:ext cx="4626588" cy="584775"/>
+          </a:xfrm>
+          <a:prstGeom prst="rect">
+            <a:avLst/>
+          </a:prstGeom>
+          <a:noFill/>
+          <a:effectLst/>
+        </p:spPr>
+        <p:txBody>
+          <a:bodyPr wrap="none" lIns="91440" tIns="45720" rIns="91440" bIns="45720">
+            <a:spAutoFit/>
+          </a:bodyPr>
+          <a:lstStyle/>
+          <a:p>
+            <a:pPr algn="ctr"/>
+            <a:r>
+              <a:rPr lang="en-US" sz="3200" dirty="0">
+                <a:ln w="0">
+                  <a:solidFill>
+                    <a:srgbClr val="CF804C">
+                      <a:alpha val="60000"/>
+                    </a:srgbClr>
+                  </a:solidFill>
+                </a:ln>
+                <a:solidFill>
+                  <a:srgbClr val="CF804C">
+                    <a:alpha val="84000"/>
+                  </a:srgbClr>
+                </a:solidFill>
+                <a:latin typeface="Ink Free" panose="03080402000500000000" pitchFamily="66" charset="0"/>
+                <a:ea typeface="Yu Mincho Light" panose="020B0400000000000000" pitchFamily="18" charset="-128"/>
+                <a:cs typeface="Vijaya" panose="020B0502040204020203" pitchFamily="18" charset="0"/>
+              </a:rPr>
+              <a:t>Making it easier to decide</a:t>
+            </a:r>
+            <a:endParaRPr lang="en-US" sz="3200" cap="none" spc="0" dirty="0">
+              <a:ln w="0">
+                <a:solidFill>
+                  <a:srgbClr val="CF804C">
+                    <a:alpha val="60000"/>
+                  </a:srgbClr>
+                </a:solidFill>
+              </a:ln>
+              <a:solidFill>
+                <a:srgbClr val="CF804C">
+                  <a:alpha val="84000"/>
+                </a:srgbClr>
+              </a:solidFill>
+              <a:latin typeface="Ink Free" panose="03080402000500000000" pitchFamily="66" charset="0"/>
+              <a:ea typeface="Yu Mincho Light" panose="020B0400000000000000" pitchFamily="18" charset="-128"/>
+              <a:cs typeface="Vijaya" panose="020B0502040204020203" pitchFamily="18" charset="0"/>
+            </a:endParaRPr>
+          </a:p>
+        </p:txBody>
+      </p:sp>
     </p:spTree>
     <p:extLst>
       <p:ext uri="{BB962C8B-B14F-4D97-AF65-F5344CB8AC3E}">
         <p14:creationId xmlns:p14="http://schemas.microsoft.com/office/powerpoint/2010/main" val="2975566260"/>
+      </p:ext>
+    </p:extLst>
+  </p:cSld>
+  <p:clrMapOvr>
+    <a:masterClrMapping/>
+  </p:clrMapOvr>
+</p:sld>
+</file>
+
+<file path=ppt/slides/slide4.xml><?xml version="1.0" encoding="utf-8"?>
+<p:sld xmlns:a="http://schemas.openxmlformats.org/drawingml/2006/main" xmlns:r="http://schemas.openxmlformats.org/officeDocument/2006/relationships" xmlns:p="http://schemas.openxmlformats.org/presentationml/2006/main">
+  <p:cSld>
+    <p:spTree>
+      <p:nvGrpSpPr>
+        <p:cNvPr id="1" name=""/>
+        <p:cNvGrpSpPr/>
+        <p:nvPr/>
+      </p:nvGrpSpPr>
+      <p:grpSpPr>
+        <a:xfrm>
+          <a:off x="0" y="0"/>
+          <a:ext cx="0" cy="0"/>
+          <a:chOff x="0" y="0"/>
+          <a:chExt cx="0" cy="0"/>
+        </a:xfrm>
+      </p:grpSpPr>
+      <p:grpSp>
+        <p:nvGrpSpPr>
+          <p:cNvPr id="13" name="Group 12">
+            <a:extLst>
+              <a:ext uri="{FF2B5EF4-FFF2-40B4-BE49-F238E27FC236}">
+                <a16:creationId xmlns:a16="http://schemas.microsoft.com/office/drawing/2014/main" id="{6DAAA670-FE0C-4B00-B39A-E10CA3B80EFF}"/>
+              </a:ext>
+            </a:extLst>
+          </p:cNvPr>
+          <p:cNvGrpSpPr/>
+          <p:nvPr/>
+        </p:nvGrpSpPr>
+        <p:grpSpPr>
+          <a:xfrm>
+            <a:off x="2949335" y="3081130"/>
+            <a:ext cx="1010213" cy="600669"/>
+            <a:chOff x="2949335" y="3081130"/>
+            <a:chExt cx="1010213" cy="600669"/>
+          </a:xfrm>
+        </p:grpSpPr>
+        <p:grpSp>
+          <p:nvGrpSpPr>
+            <p:cNvPr id="8" name="Group 7">
+              <a:extLst>
+                <a:ext uri="{FF2B5EF4-FFF2-40B4-BE49-F238E27FC236}">
+                  <a16:creationId xmlns:a16="http://schemas.microsoft.com/office/drawing/2014/main" id="{16ADBD82-D502-43E9-BD7A-0BD0DEBF93E0}"/>
+                </a:ext>
+              </a:extLst>
+            </p:cNvPr>
+            <p:cNvGrpSpPr/>
+            <p:nvPr/>
+          </p:nvGrpSpPr>
+          <p:grpSpPr>
+            <a:xfrm>
+              <a:off x="3076108" y="3081130"/>
+              <a:ext cx="736791" cy="448368"/>
+              <a:chOff x="2236763" y="1186223"/>
+              <a:chExt cx="1312263" cy="769186"/>
+            </a:xfrm>
+          </p:grpSpPr>
+          <p:pic>
+            <p:nvPicPr>
+              <p:cNvPr id="4" name="Picture 3">
+                <a:extLst>
+                  <a:ext uri="{FF2B5EF4-FFF2-40B4-BE49-F238E27FC236}">
+                    <a16:creationId xmlns:a16="http://schemas.microsoft.com/office/drawing/2014/main" id="{EB439367-6DC9-46CD-B083-B6669AD1E4A5}"/>
+                  </a:ext>
+                </a:extLst>
+              </p:cNvPr>
+              <p:cNvPicPr>
+                <a:picLocks noChangeAspect="1"/>
+              </p:cNvPicPr>
+              <p:nvPr/>
+            </p:nvPicPr>
+            <p:blipFill rotWithShape="1">
+              <a:blip r:embed="rId2">
+                <a:duotone>
+                  <a:schemeClr val="accent2">
+                    <a:shade val="45000"/>
+                    <a:satMod val="135000"/>
+                  </a:schemeClr>
+                  <a:prstClr val="white"/>
+                </a:duotone>
+                <a:extLst>
+                  <a:ext uri="{BEBA8EAE-BF5A-486C-A8C5-ECC9F3942E4B}">
+                    <a14:imgProps xmlns:a14="http://schemas.microsoft.com/office/drawing/2010/main">
+                      <a14:imgLayer r:embed="rId3">
+                        <a14:imgEffect>
+                          <a14:sharpenSoften amount="25000"/>
+                        </a14:imgEffect>
+                        <a14:imgEffect>
+                          <a14:brightnessContrast bright="20000" contrast="40000"/>
+                        </a14:imgEffect>
+                      </a14:imgLayer>
+                    </a14:imgProps>
+                  </a:ext>
+                </a:extLst>
+              </a:blip>
+              <a:srcRect l="47390" t="42520" r="47070" b="41902"/>
+              <a:stretch/>
+            </p:blipFill>
+            <p:spPr>
+              <a:xfrm>
+                <a:off x="2236763" y="1186223"/>
+                <a:ext cx="437421" cy="769186"/>
+              </a:xfrm>
+              <a:prstGeom prst="rect">
+                <a:avLst/>
+              </a:prstGeom>
+            </p:spPr>
+          </p:pic>
+          <p:pic>
+            <p:nvPicPr>
+              <p:cNvPr id="6" name="Picture 5">
+                <a:extLst>
+                  <a:ext uri="{FF2B5EF4-FFF2-40B4-BE49-F238E27FC236}">
+                    <a16:creationId xmlns:a16="http://schemas.microsoft.com/office/drawing/2014/main" id="{5D2A1FF1-EB70-46FA-A4FC-78E522DFF430}"/>
+                  </a:ext>
+                </a:extLst>
+              </p:cNvPr>
+              <p:cNvPicPr>
+                <a:picLocks noChangeAspect="1"/>
+              </p:cNvPicPr>
+              <p:nvPr/>
+            </p:nvPicPr>
+            <p:blipFill rotWithShape="1">
+              <a:blip r:embed="rId2">
+                <a:duotone>
+                  <a:schemeClr val="accent2">
+                    <a:shade val="45000"/>
+                    <a:satMod val="135000"/>
+                  </a:schemeClr>
+                  <a:prstClr val="white"/>
+                </a:duotone>
+                <a:extLst>
+                  <a:ext uri="{BEBA8EAE-BF5A-486C-A8C5-ECC9F3942E4B}">
+                    <a14:imgProps xmlns:a14="http://schemas.microsoft.com/office/drawing/2010/main">
+                      <a14:imgLayer r:embed="rId3">
+                        <a14:imgEffect>
+                          <a14:sharpenSoften amount="25000"/>
+                        </a14:imgEffect>
+                        <a14:imgEffect>
+                          <a14:brightnessContrast bright="20000" contrast="40000"/>
+                        </a14:imgEffect>
+                      </a14:imgLayer>
+                    </a14:imgProps>
+                  </a:ext>
+                </a:extLst>
+              </a:blip>
+              <a:srcRect l="47390" t="42520" r="47070" b="41902"/>
+              <a:stretch/>
+            </p:blipFill>
+            <p:spPr>
+              <a:xfrm>
+                <a:off x="2674184" y="1186223"/>
+                <a:ext cx="437421" cy="769186"/>
+              </a:xfrm>
+              <a:prstGeom prst="rect">
+                <a:avLst/>
+              </a:prstGeom>
+            </p:spPr>
+          </p:pic>
+          <p:pic>
+            <p:nvPicPr>
+              <p:cNvPr id="7" name="Picture 6">
+                <a:extLst>
+                  <a:ext uri="{FF2B5EF4-FFF2-40B4-BE49-F238E27FC236}">
+                    <a16:creationId xmlns:a16="http://schemas.microsoft.com/office/drawing/2014/main" id="{907A4A57-3765-4619-9EE7-05B577324B8B}"/>
+                  </a:ext>
+                </a:extLst>
+              </p:cNvPr>
+              <p:cNvPicPr>
+                <a:picLocks noChangeAspect="1"/>
+              </p:cNvPicPr>
+              <p:nvPr/>
+            </p:nvPicPr>
+            <p:blipFill rotWithShape="1">
+              <a:blip r:embed="rId2">
+                <a:duotone>
+                  <a:schemeClr val="accent2">
+                    <a:shade val="45000"/>
+                    <a:satMod val="135000"/>
+                  </a:schemeClr>
+                  <a:prstClr val="white"/>
+                </a:duotone>
+                <a:extLst>
+                  <a:ext uri="{BEBA8EAE-BF5A-486C-A8C5-ECC9F3942E4B}">
+                    <a14:imgProps xmlns:a14="http://schemas.microsoft.com/office/drawing/2010/main">
+                      <a14:imgLayer r:embed="rId3">
+                        <a14:imgEffect>
+                          <a14:sharpenSoften amount="25000"/>
+                        </a14:imgEffect>
+                        <a14:imgEffect>
+                          <a14:brightnessContrast bright="20000" contrast="40000"/>
+                        </a14:imgEffect>
+                      </a14:imgLayer>
+                    </a14:imgProps>
+                  </a:ext>
+                </a:extLst>
+              </a:blip>
+              <a:srcRect l="47390" t="42520" r="47070" b="41902"/>
+              <a:stretch/>
+            </p:blipFill>
+            <p:spPr>
+              <a:xfrm>
+                <a:off x="3111605" y="1186223"/>
+                <a:ext cx="437421" cy="769186"/>
+              </a:xfrm>
+              <a:prstGeom prst="rect">
+                <a:avLst/>
+              </a:prstGeom>
+            </p:spPr>
+          </p:pic>
+        </p:grpSp>
+        <p:sp>
+          <p:nvSpPr>
+            <p:cNvPr id="9" name="Rectangle 8">
+              <a:extLst>
+                <a:ext uri="{FF2B5EF4-FFF2-40B4-BE49-F238E27FC236}">
+                  <a16:creationId xmlns:a16="http://schemas.microsoft.com/office/drawing/2014/main" id="{7E8D8BBF-4304-4602-8AFF-FADA14241999}"/>
+                </a:ext>
+              </a:extLst>
+            </p:cNvPr>
+            <p:cNvSpPr/>
+            <p:nvPr/>
+          </p:nvSpPr>
+          <p:spPr>
+            <a:xfrm>
+              <a:off x="2949335" y="3448875"/>
+              <a:ext cx="1010213" cy="232924"/>
+            </a:xfrm>
+            <a:prstGeom prst="rect">
+              <a:avLst/>
+            </a:prstGeom>
+            <a:noFill/>
+            <a:effectLst/>
+          </p:spPr>
+          <p:txBody>
+            <a:bodyPr wrap="none" lIns="91440" tIns="45720" rIns="91440" bIns="45720">
+              <a:spAutoFit/>
+            </a:bodyPr>
+            <a:lstStyle/>
+            <a:p>
+              <a:pPr algn="ctr"/>
+              <a:r>
+                <a:rPr lang="en-US" sz="1000" dirty="0">
+                  <a:ln w="0">
+                    <a:solidFill>
+                      <a:srgbClr val="CF804C">
+                        <a:alpha val="60000"/>
+                      </a:srgbClr>
+                    </a:solidFill>
+                  </a:ln>
+                  <a:solidFill>
+                    <a:srgbClr val="CF804C">
+                      <a:alpha val="84000"/>
+                    </a:srgbClr>
+                  </a:solidFill>
+                  <a:latin typeface="Abadi Extra Light" panose="020B0204020104020204" pitchFamily="34" charset="0"/>
+                  <a:ea typeface="Yu Mincho Light" panose="020B0400000000000000" pitchFamily="18" charset="-128"/>
+                  <a:cs typeface="Vijaya" panose="020B0502040204020203" pitchFamily="18" charset="0"/>
+                </a:rPr>
+                <a:t>DECISIONS 1.0</a:t>
+              </a:r>
+              <a:endParaRPr lang="en-US" sz="1000" cap="none" spc="0" dirty="0">
+                <a:ln w="0">
+                  <a:solidFill>
+                    <a:srgbClr val="CF804C">
+                      <a:alpha val="60000"/>
+                    </a:srgbClr>
+                  </a:solidFill>
+                </a:ln>
+                <a:solidFill>
+                  <a:srgbClr val="CF804C">
+                    <a:alpha val="84000"/>
+                  </a:srgbClr>
+                </a:solidFill>
+                <a:latin typeface="Abadi Extra Light" panose="020B0204020104020204" pitchFamily="34" charset="0"/>
+                <a:ea typeface="Yu Mincho Light" panose="020B0400000000000000" pitchFamily="18" charset="-128"/>
+                <a:cs typeface="Vijaya" panose="020B0502040204020203" pitchFamily="18" charset="0"/>
+              </a:endParaRPr>
+            </a:p>
+          </p:txBody>
+        </p:sp>
+      </p:grpSp>
+    </p:spTree>
+    <p:extLst>
+      <p:ext uri="{BB962C8B-B14F-4D97-AF65-F5344CB8AC3E}">
+        <p14:creationId xmlns:p14="http://schemas.microsoft.com/office/powerpoint/2010/main" val="2337916168"/>
       </p:ext>
     </p:extLst>
   </p:cSld>
